--- a/Courses/Computer-Modeling-and-IT/Computer-Modeling-and-IT-5-Class/17-Creating-a-Sprite/17-Creating-a-Sprite.pptx
+++ b/Courses/Computer-Modeling-and-IT/Computer-Modeling-and-IT-5-Class/17-Creating-a-Sprite/17-Creating-a-Sprite.pptx
@@ -307,7 +307,7 @@
           <a:p>
             <a:fld id="{4E087215-0C8F-4762-A664-737A353EC9A4}" type="datetimeFigureOut">
               <a:rPr lang="bg-BG" smtClean="0"/>
-              <a:t>19.2.2024 г.</a:t>
+              <a:t>23.2.2024 г.</a:t>
             </a:fld>
             <a:endParaRPr lang="bg-BG"/>
           </a:p>
@@ -503,7 +503,7 @@
           <a:p>
             <a:fld id="{72D84649-876A-46C9-8472-14CB09C070D8}" type="datetimeFigureOut">
               <a:rPr lang="en-US" smtClean="0"/>
-              <a:t>2/19/2024</a:t>
+              <a:t>2/23/2024</a:t>
             </a:fld>
             <a:endParaRPr lang="en-US"/>
           </a:p>
@@ -7286,6 +7286,36 @@
           </a:p>
         </p:txBody>
       </p:sp>
+      <p:pic>
+        <p:nvPicPr>
+          <p:cNvPr id="4" name="Picture 3"/>
+          <p:cNvPicPr>
+            <a:picLocks noChangeAspect="1"/>
+          </p:cNvPicPr>
+          <p:nvPr/>
+        </p:nvPicPr>
+        <p:blipFill>
+          <a:blip r:embed="rId5">
+            <a:extLst>
+              <a:ext uri="{28A0092B-C50C-407E-A947-70E740481C1C}">
+                <a14:useLocalDpi xmlns:a14="http://schemas.microsoft.com/office/drawing/2010/main" val="0"/>
+              </a:ext>
+            </a:extLst>
+          </a:blip>
+          <a:stretch>
+            <a:fillRect/>
+          </a:stretch>
+        </p:blipFill>
+        <p:spPr>
+          <a:xfrm>
+            <a:off x="534045" y="3012727"/>
+            <a:ext cx="2160677" cy="966984"/>
+          </a:xfrm>
+          <a:prstGeom prst="rect">
+            <a:avLst/>
+          </a:prstGeom>
+        </p:spPr>
+      </p:pic>
     </p:spTree>
     <p:extLst>
       <p:ext uri="{BB962C8B-B14F-4D97-AF65-F5344CB8AC3E}">
@@ -7666,7 +7696,7 @@
             <a:fld id="{2BF067CD-8E6B-4360-9AA8-C5DF2A48A6D1}" type="slidenum">
               <a:rPr lang="en-US" noProof="0" smtClean="0"/>
               <a:pPr/>
-              <a:t>‹#›</a:t>
+              <a:t>10</a:t>
             </a:fld>
             <a:endParaRPr lang="en-US" noProof="0" dirty="0"/>
           </a:p>
@@ -8028,7 +8058,7 @@
             <a:fld id="{2BF067CD-8E6B-4360-9AA8-C5DF2A48A6D1}" type="slidenum">
               <a:rPr lang="en-US" noProof="0" smtClean="0"/>
               <a:pPr/>
-              <a:t>‹#›</a:t>
+              <a:t>11</a:t>
             </a:fld>
             <a:endParaRPr lang="en-US" noProof="0" dirty="0"/>
           </a:p>
@@ -8910,7 +8940,7 @@
             <a:fld id="{2BF067CD-8E6B-4360-9AA8-C5DF2A48A6D1}" type="slidenum">
               <a:rPr lang="en-US" noProof="0" smtClean="0"/>
               <a:pPr/>
-              <a:t>‹#›</a:t>
+              <a:t>12</a:t>
             </a:fld>
             <a:endParaRPr lang="en-US" noProof="0" dirty="0"/>
           </a:p>
@@ -9449,7 +9479,7 @@
             <a:fld id="{2BF067CD-8E6B-4360-9AA8-C5DF2A48A6D1}" type="slidenum">
               <a:rPr lang="en-US" noProof="0" smtClean="0"/>
               <a:pPr/>
-              <a:t>‹#›</a:t>
+              <a:t>13</a:t>
             </a:fld>
             <a:endParaRPr lang="en-US" noProof="0" dirty="0"/>
           </a:p>
@@ -10748,7 +10778,7 @@
             <a:fld id="{2BF067CD-8E6B-4360-9AA8-C5DF2A48A6D1}" type="slidenum">
               <a:rPr lang="en-US" noProof="0" smtClean="0"/>
               <a:pPr/>
-              <a:t>‹#›</a:t>
+              <a:t>2</a:t>
             </a:fld>
             <a:endParaRPr lang="en-US" noProof="0" dirty="0"/>
           </a:p>
@@ -14907,7 +14937,7 @@
                 <a:hlinkClick r:id="rId3">
                   <a:extLst>
                     <a:ext uri="{A12FA001-AC4F-418D-AE19-62706E023703}">
-                      <ahyp:hlinkClr xmlns:ahyp="http://schemas.microsoft.com/office/drawing/2018/hyperlinkcolor" xmlns="" val="tx"/>
+                      <ahyp:hlinkClr xmlns="" xmlns:ahyp="http://schemas.microsoft.com/office/drawing/2018/hyperlinkcolor" val="tx"/>
                     </a:ext>
                   </a:extLst>
                 </a:hlinkClick>
@@ -15749,7 +15779,7 @@
             <a:fld id="{2BF067CD-8E6B-4360-9AA8-C5DF2A48A6D1}" type="slidenum">
               <a:rPr lang="en-US" noProof="0" smtClean="0"/>
               <a:pPr/>
-              <a:t>‹#›</a:t>
+              <a:t>4</a:t>
             </a:fld>
             <a:endParaRPr lang="en-US" noProof="0" dirty="0"/>
           </a:p>
@@ -16928,7 +16958,7 @@
             <a:fld id="{2BF067CD-8E6B-4360-9AA8-C5DF2A48A6D1}" type="slidenum">
               <a:rPr lang="en-US" noProof="0" smtClean="0"/>
               <a:pPr/>
-              <a:t>‹#›</a:t>
+              <a:t>6</a:t>
             </a:fld>
             <a:endParaRPr lang="en-US" noProof="0" dirty="0"/>
           </a:p>
@@ -17381,7 +17411,7 @@
             <a:fld id="{2BF067CD-8E6B-4360-9AA8-C5DF2A48A6D1}" type="slidenum">
               <a:rPr lang="en-US" noProof="0" smtClean="0"/>
               <a:pPr/>
-              <a:t>‹#›</a:t>
+              <a:t>7</a:t>
             </a:fld>
             <a:endParaRPr lang="en-US" noProof="0" dirty="0"/>
           </a:p>
@@ -17987,7 +18017,7 @@
             <a:fld id="{2BF067CD-8E6B-4360-9AA8-C5DF2A48A6D1}" type="slidenum">
               <a:rPr lang="en-US" noProof="0" smtClean="0"/>
               <a:pPr/>
-              <a:t>‹#›</a:t>
+              <a:t>8</a:t>
             </a:fld>
             <a:endParaRPr lang="en-US" noProof="0" dirty="0"/>
           </a:p>
@@ -18502,7 +18532,7 @@
             <a:fld id="{2BF067CD-8E6B-4360-9AA8-C5DF2A48A6D1}" type="slidenum">
               <a:rPr lang="en-US" noProof="0" smtClean="0"/>
               <a:pPr/>
-              <a:t>‹#›</a:t>
+              <a:t>9</a:t>
             </a:fld>
             <a:endParaRPr lang="en-US" noProof="0" dirty="0"/>
           </a:p>

--- a/Courses/Computer-Modeling-and-IT/Computer-Modeling-and-IT-5-Class/17-Creating-a-Sprite/17-Creating-a-Sprite.pptx
+++ b/Courses/Computer-Modeling-and-IT/Computer-Modeling-and-IT-5-Class/17-Creating-a-Sprite/17-Creating-a-Sprite.pptx
@@ -307,7 +307,7 @@
           <a:p>
             <a:fld id="{4E087215-0C8F-4762-A664-737A353EC9A4}" type="datetimeFigureOut">
               <a:rPr lang="bg-BG" smtClean="0"/>
-              <a:t>23.2.2024 г.</a:t>
+              <a:t>27.02.24 г.</a:t>
             </a:fld>
             <a:endParaRPr lang="bg-BG"/>
           </a:p>
@@ -503,7 +503,7 @@
           <a:p>
             <a:fld id="{72D84649-876A-46C9-8472-14CB09C070D8}" type="datetimeFigureOut">
               <a:rPr lang="en-US" smtClean="0"/>
-              <a:t>2/23/2024</a:t>
+              <a:t>2/27/24</a:t>
             </a:fld>
             <a:endParaRPr lang="en-US"/>
           </a:p>
@@ -7308,8 +7308,8 @@
         </p:blipFill>
         <p:spPr>
           <a:xfrm>
-            <a:off x="534045" y="3012727"/>
-            <a:ext cx="2160677" cy="966984"/>
+            <a:off x="534045" y="3061383"/>
+            <a:ext cx="2051955" cy="918327"/>
           </a:xfrm>
           <a:prstGeom prst="rect">
             <a:avLst/>
@@ -7536,7 +7536,7 @@
                   </a:outerShdw>
                 </a:effectLst>
               </a:rPr>
-              <a:t>, можем да го видим в </a:t>
+              <a:t> можем да го видим в </a:t>
             </a:r>
             <a:r>
               <a:rPr lang="bg-BG" sz="2800" b="1" dirty="0">
@@ -9503,13 +9503,6 @@
       <p:transition spd="slow" advClick="0" advTm="5000"/>
     </mc:Fallback>
   </mc:AlternateContent>
-  <p:timing>
-    <p:tnLst>
-      <p:par>
-        <p:cTn id="1" dur="indefinite" restart="never" nodeType="tmRoot"/>
-      </p:par>
-    </p:tnLst>
-  </p:timing>
 </p:sld>
 </file>
 
@@ -9641,13 +9634,6 @@
       <p:transition spd="slow" advClick="0" advTm="5000"/>
     </mc:Fallback>
   </mc:AlternateContent>
-  <p:timing>
-    <p:tnLst>
-      <p:par>
-        <p:cTn id="1" dur="indefinite" restart="never" nodeType="tmRoot"/>
-      </p:par>
-    </p:tnLst>
-  </p:timing>
 </p:sld>
 </file>
 
@@ -9775,13 +9761,6 @@
       <p:transition spd="slow" advClick="0" advTm="5000"/>
     </mc:Fallback>
   </mc:AlternateContent>
-  <p:timing>
-    <p:tnLst>
-      <p:par>
-        <p:cTn id="1" dur="indefinite" restart="never" nodeType="tmRoot"/>
-      </p:par>
-    </p:tnLst>
-  </p:timing>
 </p:sld>
 </file>
 
@@ -9909,13 +9888,6 @@
       <p:transition spd="slow" advClick="0" advTm="5000"/>
     </mc:Fallback>
   </mc:AlternateContent>
-  <p:timing>
-    <p:tnLst>
-      <p:par>
-        <p:cTn id="1" dur="indefinite" restart="never" nodeType="tmRoot"/>
-      </p:par>
-    </p:tnLst>
-  </p:timing>
 </p:sld>
 </file>
 
@@ -10043,13 +10015,6 @@
       <p:transition spd="slow" advClick="0" advTm="5000"/>
     </mc:Fallback>
   </mc:AlternateContent>
-  <p:timing>
-    <p:tnLst>
-      <p:par>
-        <p:cTn id="1" dur="indefinite" restart="never" nodeType="tmRoot"/>
-      </p:par>
-    </p:tnLst>
-  </p:timing>
 </p:sld>
 </file>
 
@@ -10238,13 +10203,6 @@
       <p:transition spd="slow" advClick="0" advTm="5000"/>
     </mc:Fallback>
   </mc:AlternateContent>
-  <p:timing>
-    <p:tnLst>
-      <p:par>
-        <p:cTn id="1" dur="indefinite" restart="never" nodeType="tmRoot"/>
-      </p:par>
-    </p:tnLst>
-  </p:timing>
 </p:sld>
 </file>
 
@@ -10384,7 +10342,7 @@
           </a:xfrm>
           <a:prstGeom prst="wedgeRoundRectCallout">
             <a:avLst>
-              <a:gd name="adj1" fmla="val -83516"/>
+              <a:gd name="adj1" fmla="val -81350"/>
               <a:gd name="adj2" fmla="val 55310"/>
               <a:gd name="adj3" fmla="val 16667"/>
             </a:avLst>
@@ -11049,11 +11007,11 @@
           <a:lstStyle/>
           <a:p>
             <a:r>
-              <a:rPr lang="bg-BG" smtClean="0"/>
+              <a:rPr lang="bg-BG"/>
               <a:t>Качи </a:t>
             </a:r>
             <a:r>
-              <a:rPr lang="en-US" smtClean="0"/>
+              <a:rPr lang="en-US"/>
               <a:t>Sprite</a:t>
             </a:r>
             <a:endParaRPr lang="bg-BG" dirty="0"/>
@@ -11150,13 +11108,6 @@
       <p:transition spd="slow" advClick="0" advTm="5000"/>
     </mc:Fallback>
   </mc:AlternateContent>
-  <p:timing>
-    <p:tnLst>
-      <p:par>
-        <p:cTn id="1" dur="indefinite" restart="never" nodeType="tmRoot"/>
-      </p:par>
-    </p:tnLst>
-  </p:timing>
 </p:sld>
 </file>
 
@@ -11199,11 +11150,11 @@
           <a:lstStyle/>
           <a:p>
             <a:r>
-              <a:rPr lang="bg-BG" smtClean="0"/>
+              <a:rPr lang="bg-BG"/>
               <a:t>Качи </a:t>
             </a:r>
             <a:r>
-              <a:rPr lang="en-US" smtClean="0"/>
+              <a:rPr lang="en-US"/>
               <a:t>Sprite</a:t>
             </a:r>
             <a:endParaRPr lang="bg-BG" dirty="0"/>
@@ -11534,11 +11485,11 @@
           <a:lstStyle/>
           <a:p>
             <a:r>
-              <a:rPr lang="bg-BG" smtClean="0"/>
+              <a:rPr lang="bg-BG"/>
               <a:t>Качи </a:t>
             </a:r>
             <a:r>
-              <a:rPr lang="en-US" smtClean="0"/>
+              <a:rPr lang="en-US"/>
               <a:t>Sprite</a:t>
             </a:r>
             <a:endParaRPr lang="bg-BG" dirty="0"/>
@@ -11851,7 +11802,7 @@
           <a:lstStyle/>
           <a:p>
             <a:r>
-              <a:rPr lang="bg-BG" smtClean="0"/>
+              <a:rPr lang="bg-BG"/>
               <a:t>Създаване на костюми</a:t>
             </a:r>
             <a:endParaRPr lang="en-US"/>
@@ -11912,13 +11863,6 @@
       <p:transition spd="slow" advClick="0" advTm="5000"/>
     </mc:Fallback>
   </mc:AlternateContent>
-  <p:timing>
-    <p:tnLst>
-      <p:par>
-        <p:cTn id="1" dur="indefinite" restart="never" nodeType="tmRoot"/>
-      </p:par>
-    </p:tnLst>
-  </p:timing>
 </p:sld>
 </file>
 
@@ -14937,7 +14881,7 @@
                 <a:hlinkClick r:id="rId3">
                   <a:extLst>
                     <a:ext uri="{A12FA001-AC4F-418D-AE19-62706E023703}">
-                      <ahyp:hlinkClr xmlns="" xmlns:ahyp="http://schemas.microsoft.com/office/drawing/2018/hyperlinkcolor" val="tx"/>
+                      <ahyp:hlinkClr xmlns:ahyp="http://schemas.microsoft.com/office/drawing/2018/hyperlinkcolor" val="tx"/>
                     </a:ext>
                   </a:extLst>
                 </a:hlinkClick>
@@ -15010,13 +14954,6 @@
       <p:transition spd="slow" advClick="0" advTm="5000"/>
     </mc:Fallback>
   </mc:AlternateContent>
-  <p:timing>
-    <p:tnLst>
-      <p:par>
-        <p:cTn id="1" dur="indefinite" restart="never" nodeType="tmRoot"/>
-      </p:par>
-    </p:tnLst>
-  </p:timing>
 </p:sld>
 </file>
 
@@ -15400,13 +15337,6 @@
       <p:transition spd="slow" advClick="0" advTm="5000"/>
     </mc:Fallback>
   </mc:AlternateContent>
-  <p:timing>
-    <p:tnLst>
-      <p:par>
-        <p:cTn id="1" dur="indefinite" restart="never" nodeType="tmRoot"/>
-      </p:par>
-    </p:tnLst>
-  </p:timing>
 </p:sld>
 </file>
 
@@ -15443,10 +15373,9 @@
           <a:lstStyle/>
           <a:p>
             <a:r>
-              <a:rPr lang="en-US" smtClean="0"/>
+              <a:rPr lang="en-US"/>
               <a:t>Sprite</a:t>
             </a:r>
-            <a:endParaRPr lang="en-US"/>
           </a:p>
         </p:txBody>
       </p:sp>
@@ -15502,10 +15431,10 @@
           <a:lstStyle/>
           <a:p>
             <a:r>
-              <a:rPr lang="ru-RU" smtClean="0"/>
-              <a:t>Обект и герой в Scratch</a:t>
-            </a:r>
-            <a:endParaRPr lang="en-US"/>
+              <a:rPr lang="ru-RU" dirty="0"/>
+              <a:t>Обект / герой в Scratch</a:t>
+            </a:r>
+            <a:endParaRPr lang="en-US" dirty="0"/>
           </a:p>
         </p:txBody>
       </p:sp>
@@ -15527,13 +15456,6 @@
       <p:transition spd="slow" advClick="0" advTm="5000"/>
     </mc:Fallback>
   </mc:AlternateContent>
-  <p:timing>
-    <p:tnLst>
-      <p:par>
-        <p:cTn id="1" dur="indefinite" restart="never" nodeType="tmRoot"/>
-      </p:par>
-    </p:tnLst>
-  </p:timing>
 </p:sld>
 </file>
 
@@ -16008,14 +15930,13 @@
           <a:lstStyle/>
           <a:p>
             <a:r>
-              <a:rPr lang="bg-BG" smtClean="0"/>
+              <a:rPr lang="bg-BG"/>
               <a:t>Създаване на </a:t>
             </a:r>
             <a:r>
-              <a:rPr lang="en-US" smtClean="0"/>
+              <a:rPr lang="en-US"/>
               <a:t>Sprite</a:t>
             </a:r>
-            <a:endParaRPr lang="en-US"/>
           </a:p>
         </p:txBody>
       </p:sp>
@@ -16073,13 +15994,6 @@
       <p:transition spd="slow" advClick="0" advTm="5000"/>
     </mc:Fallback>
   </mc:AlternateContent>
-  <p:timing>
-    <p:tnLst>
-      <p:par>
-        <p:cTn id="1" dur="indefinite" restart="never" nodeType="tmRoot"/>
-      </p:par>
-    </p:tnLst>
-  </p:timing>
 </p:sld>
 </file>
 
@@ -17435,13 +17349,6 @@
       <p:transition spd="slow" advClick="0" advTm="5000"/>
     </mc:Fallback>
   </mc:AlternateContent>
-  <p:timing>
-    <p:tnLst>
-      <p:par>
-        <p:cTn id="1" dur="indefinite" restart="never" nodeType="tmRoot"/>
-      </p:par>
-    </p:tnLst>
-  </p:timing>
 </p:sld>
 </file>
 
@@ -17620,7 +17527,7 @@
         </p:nvSpPr>
         <p:spPr bwMode="auto">
           <a:xfrm>
-            <a:off x="2024796" y="1476850"/>
+            <a:off x="2024796" y="1607377"/>
             <a:ext cx="2239766" cy="516623"/>
           </a:xfrm>
           <a:prstGeom prst="wedgeRoundRectCallout">
@@ -17780,8 +17687,8 @@
           </a:xfrm>
           <a:prstGeom prst="wedgeRoundRectCallout">
             <a:avLst>
-              <a:gd name="adj1" fmla="val 37582"/>
-              <a:gd name="adj2" fmla="val -122943"/>
+              <a:gd name="adj1" fmla="val 32954"/>
+              <a:gd name="adj2" fmla="val -111059"/>
               <a:gd name="adj3" fmla="val 16667"/>
             </a:avLst>
           </a:prstGeom>

--- a/Courses/Computer-Modeling-and-IT/Computer-Modeling-and-IT-5-Class/17-Creating-a-Sprite/17-Creating-a-Sprite.pptx
+++ b/Courses/Computer-Modeling-and-IT/Computer-Modeling-and-IT-5-Class/17-Creating-a-Sprite/17-Creating-a-Sprite.pptx
@@ -307,7 +307,7 @@
           <a:p>
             <a:fld id="{4E087215-0C8F-4762-A664-737A353EC9A4}" type="datetimeFigureOut">
               <a:rPr lang="bg-BG" smtClean="0"/>
-              <a:t>27.02.24 г.</a:t>
+              <a:t>17.12.2024 г.</a:t>
             </a:fld>
             <a:endParaRPr lang="bg-BG"/>
           </a:p>
@@ -503,7 +503,7 @@
           <a:p>
             <a:fld id="{72D84649-876A-46C9-8472-14CB09C070D8}" type="datetimeFigureOut">
               <a:rPr lang="en-US" smtClean="0"/>
-              <a:t>2/27/24</a:t>
+              <a:t>12/17/2024</a:t>
             </a:fld>
             <a:endParaRPr lang="en-US"/>
           </a:p>
@@ -14958,7 +14958,7 @@
 </file>
 
 <file path=ppt/slides/slide29.xml><?xml version="1.0" encoding="utf-8"?>
-<p:sld xmlns:a="http://schemas.openxmlformats.org/drawingml/2006/main" xmlns:r="http://schemas.openxmlformats.org/officeDocument/2006/relationships" xmlns:p="http://schemas.openxmlformats.org/presentationml/2006/main">
+<p:sld xmlns:a="http://schemas.openxmlformats.org/drawingml/2006/main" xmlns:r="http://schemas.openxmlformats.org/officeDocument/2006/relationships" xmlns:p="http://schemas.openxmlformats.org/presentationml/2006/main" show="0">
   <p:cSld>
     <p:spTree>
       <p:nvGrpSpPr>
@@ -15329,11 +15329,11 @@
   <p:clrMapOvr>
     <a:masterClrMapping/>
   </p:clrMapOvr>
-  <mc:AlternateContent xmlns:mc="http://schemas.openxmlformats.org/markup-compatibility/2006" xmlns:p14="http://schemas.microsoft.com/office/powerpoint/2010/main">
-    <mc:Choice Requires="p14">
+  <mc:AlternateContent xmlns:mc="http://schemas.openxmlformats.org/markup-compatibility/2006">
+    <mc:Choice xmlns:p14="http://schemas.microsoft.com/office/powerpoint/2010/main" Requires="p14">
       <p:transition spd="slow" p14:dur="2000" advClick="0" advTm="5000"/>
     </mc:Choice>
-    <mc:Fallback xmlns="">
+    <mc:Fallback>
       <p:transition spd="slow" advClick="0" advTm="5000"/>
     </mc:Fallback>
   </mc:AlternateContent>

--- a/Courses/Computer-Modeling-and-IT/Computer-Modeling-and-IT-5-Class/17-Creating-a-Sprite/17-Creating-a-Sprite.pptx
+++ b/Courses/Computer-Modeling-and-IT/Computer-Modeling-and-IT-5-Class/17-Creating-a-Sprite/17-Creating-a-Sprite.pptx
@@ -7508,7 +7508,7 @@
             <a:r>
               <a:rPr lang="bg-BG" sz="2800" b="1" dirty="0">
                 <a:solidFill>
-                  <a:schemeClr val="bg1">
+                  <a:schemeClr val="accent1">
                     <a:lumMod val="60000"/>
                     <a:lumOff val="40000"/>
                   </a:schemeClr>
@@ -7541,7 +7541,7 @@
             <a:r>
               <a:rPr lang="bg-BG" sz="2800" b="1" dirty="0">
                 <a:solidFill>
-                  <a:schemeClr val="bg1">
+                  <a:schemeClr val="accent1">
                     <a:lumMod val="60000"/>
                     <a:lumOff val="40000"/>
                   </a:schemeClr>
@@ -7642,7 +7642,7 @@
             <a:r>
               <a:rPr lang="bg-BG" sz="2800" b="1" dirty="0">
                 <a:solidFill>
-                  <a:schemeClr val="bg1">
+                  <a:schemeClr val="accent1">
                     <a:lumMod val="60000"/>
                     <a:lumOff val="40000"/>
                   </a:schemeClr>
@@ -10406,7 +10406,7 @@
             <a:r>
               <a:rPr lang="bg-BG" sz="2800" b="1" dirty="0">
                 <a:solidFill>
-                  <a:schemeClr val="bg1">
+                  <a:schemeClr val="accent1">
                     <a:lumMod val="60000"/>
                     <a:lumOff val="40000"/>
                   </a:schemeClr>
@@ -11652,7 +11652,7 @@
             <a:r>
               <a:rPr lang="bg-BG" sz="2800" b="1" dirty="0">
                 <a:solidFill>
-                  <a:schemeClr val="bg1">
+                  <a:schemeClr val="accent1">
                     <a:lumMod val="60000"/>
                     <a:lumOff val="40000"/>
                   </a:schemeClr>
@@ -11796,16 +11796,21 @@
             <p:ph type="title" sz="quarter" idx="10"/>
           </p:nvPr>
         </p:nvSpPr>
-        <p:spPr/>
+        <p:spPr>
+          <a:xfrm>
+            <a:off x="615109" y="5004000"/>
+            <a:ext cx="10961783" cy="768084"/>
+          </a:xfrm>
+        </p:spPr>
         <p:txBody>
           <a:bodyPr/>
           <a:lstStyle/>
           <a:p>
             <a:r>
-              <a:rPr lang="bg-BG"/>
+              <a:rPr lang="bg-BG" dirty="0"/>
               <a:t>Създаване на костюми</a:t>
             </a:r>
-            <a:endParaRPr lang="en-US"/>
+            <a:endParaRPr lang="en-US" dirty="0"/>
           </a:p>
         </p:txBody>
       </p:sp>
@@ -12484,7 +12489,7 @@
             <a:r>
               <a:rPr lang="bg-BG" sz="2800" b="1" dirty="0">
                 <a:solidFill>
-                  <a:schemeClr val="bg1">
+                  <a:schemeClr val="accent1">
                     <a:lumMod val="60000"/>
                     <a:lumOff val="40000"/>
                   </a:schemeClr>
@@ -12585,7 +12590,7 @@
             <a:r>
               <a:rPr lang="bg-BG" sz="2800" b="1" dirty="0">
                 <a:solidFill>
-                  <a:schemeClr val="bg1">
+                  <a:schemeClr val="accent1">
                     <a:lumMod val="60000"/>
                     <a:lumOff val="40000"/>
                   </a:schemeClr>
@@ -13449,7 +13454,7 @@
             <a:r>
               <a:rPr lang="bg-BG" sz="2800" b="1" dirty="0">
                 <a:solidFill>
-                  <a:schemeClr val="bg1">
+                  <a:schemeClr val="accent1">
                     <a:lumMod val="60000"/>
                     <a:lumOff val="40000"/>
                   </a:schemeClr>
@@ -13565,7 +13570,7 @@
             <a:r>
               <a:rPr lang="bg-BG" sz="2800" b="1" dirty="0">
                 <a:solidFill>
-                  <a:schemeClr val="bg1">
+                  <a:schemeClr val="accent1">
                     <a:lumMod val="60000"/>
                     <a:lumOff val="40000"/>
                   </a:schemeClr>
@@ -13598,7 +13603,7 @@
             <a:r>
               <a:rPr lang="bg-BG" sz="2800" b="1" dirty="0">
                 <a:solidFill>
-                  <a:schemeClr val="bg1">
+                  <a:schemeClr val="accent1">
                     <a:lumMod val="60000"/>
                     <a:lumOff val="40000"/>
                   </a:schemeClr>
@@ -14409,7 +14414,7 @@
             <a:r>
               <a:rPr lang="en-US" sz="2800" b="1" dirty="0">
                 <a:solidFill>
-                  <a:schemeClr val="bg1">
+                  <a:schemeClr val="accent1">
                     <a:lumMod val="60000"/>
                     <a:lumOff val="40000"/>
                   </a:schemeClr>
@@ -14547,7 +14552,7 @@
             <a:r>
               <a:rPr lang="bg-BG" sz="2800" b="1" dirty="0">
                 <a:solidFill>
-                  <a:schemeClr val="bg1">
+                  <a:schemeClr val="accent1">
                     <a:lumMod val="60000"/>
                     <a:lumOff val="40000"/>
                   </a:schemeClr>
@@ -15329,11 +15334,11 @@
   <p:clrMapOvr>
     <a:masterClrMapping/>
   </p:clrMapOvr>
-  <mc:AlternateContent xmlns:mc="http://schemas.openxmlformats.org/markup-compatibility/2006">
-    <mc:Choice xmlns:p14="http://schemas.microsoft.com/office/powerpoint/2010/main" Requires="p14">
+  <mc:AlternateContent xmlns:mc="http://schemas.openxmlformats.org/markup-compatibility/2006" xmlns:p14="http://schemas.microsoft.com/office/powerpoint/2010/main">
+    <mc:Choice Requires="p14">
       <p:transition spd="slow" p14:dur="2000" advClick="0" advTm="5000"/>
     </mc:Choice>
-    <mc:Fallback>
+    <mc:Fallback xmlns="">
       <p:transition spd="slow" advClick="0" advTm="5000"/>
     </mc:Fallback>
   </mc:AlternateContent>
@@ -15513,8 +15518,12 @@
               <a:t>Спрайт </a:t>
             </a:r>
             <a:r>
+              <a:rPr lang="en-GB" sz="3200" dirty="0"/>
+              <a:t>–</a:t>
+            </a:r>
+            <a:r>
               <a:rPr lang="bg-BG" sz="3200" dirty="0"/>
-              <a:t>е </a:t>
+              <a:t> </a:t>
             </a:r>
             <a:r>
               <a:rPr lang="bg-BG" sz="3200" b="1" dirty="0"/>
@@ -18385,7 +18394,7 @@
             <a:r>
               <a:rPr lang="bg-BG" sz="2800" b="1" dirty="0">
                 <a:solidFill>
-                  <a:schemeClr val="bg1">
+                  <a:schemeClr val="accent1">
                     <a:lumMod val="60000"/>
                     <a:lumOff val="40000"/>
                   </a:schemeClr>
